--- a/2022-10-29/组会安排-2022-四季度.pptx
+++ b/2022-10-29/组会安排-2022-四季度.pptx
@@ -272,7 +272,7 @@
           <a:p>
             <a:fld id="{4465F841-52C7-0E47-90AD-FC1788E8D760}" type="datetimeFigureOut">
               <a:rPr lang="en-CN" smtClean="0"/>
-              <a:t>2022/10/29</a:t>
+              <a:t>2022/11/29</a:t>
             </a:fld>
             <a:endParaRPr lang="en-CN"/>
           </a:p>
@@ -472,7 +472,7 @@
           <a:p>
             <a:fld id="{4465F841-52C7-0E47-90AD-FC1788E8D760}" type="datetimeFigureOut">
               <a:rPr lang="en-CN" smtClean="0"/>
-              <a:t>2022/10/29</a:t>
+              <a:t>2022/11/29</a:t>
             </a:fld>
             <a:endParaRPr lang="en-CN"/>
           </a:p>
@@ -682,7 +682,7 @@
           <a:p>
             <a:fld id="{4465F841-52C7-0E47-90AD-FC1788E8D760}" type="datetimeFigureOut">
               <a:rPr lang="en-CN" smtClean="0"/>
-              <a:t>2022/10/29</a:t>
+              <a:t>2022/11/29</a:t>
             </a:fld>
             <a:endParaRPr lang="en-CN"/>
           </a:p>
@@ -882,7 +882,7 @@
           <a:p>
             <a:fld id="{4465F841-52C7-0E47-90AD-FC1788E8D760}" type="datetimeFigureOut">
               <a:rPr lang="en-CN" smtClean="0"/>
-              <a:t>2022/10/29</a:t>
+              <a:t>2022/11/29</a:t>
             </a:fld>
             <a:endParaRPr lang="en-CN"/>
           </a:p>
@@ -1158,7 +1158,7 @@
           <a:p>
             <a:fld id="{4465F841-52C7-0E47-90AD-FC1788E8D760}" type="datetimeFigureOut">
               <a:rPr lang="en-CN" smtClean="0"/>
-              <a:t>2022/10/29</a:t>
+              <a:t>2022/11/29</a:t>
             </a:fld>
             <a:endParaRPr lang="en-CN"/>
           </a:p>
@@ -1426,7 +1426,7 @@
           <a:p>
             <a:fld id="{4465F841-52C7-0E47-90AD-FC1788E8D760}" type="datetimeFigureOut">
               <a:rPr lang="en-CN" smtClean="0"/>
-              <a:t>2022/10/29</a:t>
+              <a:t>2022/11/29</a:t>
             </a:fld>
             <a:endParaRPr lang="en-CN"/>
           </a:p>
@@ -1841,7 +1841,7 @@
           <a:p>
             <a:fld id="{4465F841-52C7-0E47-90AD-FC1788E8D760}" type="datetimeFigureOut">
               <a:rPr lang="en-CN" smtClean="0"/>
-              <a:t>2022/10/29</a:t>
+              <a:t>2022/11/29</a:t>
             </a:fld>
             <a:endParaRPr lang="en-CN"/>
           </a:p>
@@ -1983,7 +1983,7 @@
           <a:p>
             <a:fld id="{4465F841-52C7-0E47-90AD-FC1788E8D760}" type="datetimeFigureOut">
               <a:rPr lang="en-CN" smtClean="0"/>
-              <a:t>2022/10/29</a:t>
+              <a:t>2022/11/29</a:t>
             </a:fld>
             <a:endParaRPr lang="en-CN"/>
           </a:p>
@@ -2096,7 +2096,7 @@
           <a:p>
             <a:fld id="{4465F841-52C7-0E47-90AD-FC1788E8D760}" type="datetimeFigureOut">
               <a:rPr lang="en-CN" smtClean="0"/>
-              <a:t>2022/10/29</a:t>
+              <a:t>2022/11/29</a:t>
             </a:fld>
             <a:endParaRPr lang="en-CN"/>
           </a:p>
@@ -2409,7 +2409,7 @@
           <a:p>
             <a:fld id="{4465F841-52C7-0E47-90AD-FC1788E8D760}" type="datetimeFigureOut">
               <a:rPr lang="en-CN" smtClean="0"/>
-              <a:t>2022/10/29</a:t>
+              <a:t>2022/11/29</a:t>
             </a:fld>
             <a:endParaRPr lang="en-CN"/>
           </a:p>
@@ -2698,7 +2698,7 @@
           <a:p>
             <a:fld id="{4465F841-52C7-0E47-90AD-FC1788E8D760}" type="datetimeFigureOut">
               <a:rPr lang="en-CN" smtClean="0"/>
-              <a:t>2022/10/29</a:t>
+              <a:t>2022/11/29</a:t>
             </a:fld>
             <a:endParaRPr lang="en-CN"/>
           </a:p>
@@ -2941,7 +2941,7 @@
           <a:p>
             <a:fld id="{4465F841-52C7-0E47-90AD-FC1788E8D760}" type="datetimeFigureOut">
               <a:rPr lang="en-CN" smtClean="0"/>
-              <a:t>2022/10/29</a:t>
+              <a:t>2022/11/29</a:t>
             </a:fld>
             <a:endParaRPr lang="en-CN"/>
           </a:p>
@@ -3728,10 +3728,13 @@
               </a:rPr>
               <a:t>、卢清霜</a:t>
             </a:r>
-            <a:endParaRPr lang="en-US" altLang="zh-CN" sz="2400" dirty="0">
-              <a:latin typeface="Microsoft YaHei" panose="020B0503020204020204" pitchFamily="34" charset="-122"/>
-              <a:ea typeface="Microsoft YaHei" panose="020B0503020204020204" pitchFamily="34" charset="-122"/>
-            </a:endParaRPr>
+            <a:r>
+              <a:rPr lang="en-US" altLang="zh-CN" sz="2400" dirty="0">
+                <a:latin typeface="Microsoft YaHei" panose="020B0503020204020204" pitchFamily="34" charset="-122"/>
+                <a:ea typeface="Microsoft YaHei" panose="020B0503020204020204" pitchFamily="34" charset="-122"/>
+              </a:rPr>
+              <a:t> Dec 1</a:t>
+            </a:r>
           </a:p>
           <a:p>
             <a:pPr marL="742950" lvl="1" indent="-285750">
@@ -3743,12 +3746,15 @@
                 <a:latin typeface="Microsoft YaHei" panose="020B0503020204020204" pitchFamily="34" charset="-122"/>
                 <a:ea typeface="Microsoft YaHei" panose="020B0503020204020204" pitchFamily="34" charset="-122"/>
               </a:rPr>
-              <a:t>第四轮：管加深、黄宣铭、黄家毅</a:t>
-            </a:r>
-            <a:endParaRPr lang="en-US" altLang="zh-CN" sz="2400" dirty="0">
-              <a:latin typeface="Microsoft YaHei" panose="020B0503020204020204" pitchFamily="34" charset="-122"/>
-              <a:ea typeface="Microsoft YaHei" panose="020B0503020204020204" pitchFamily="34" charset="-122"/>
-            </a:endParaRPr>
+              <a:t>第四轮：黄宣铭、黄家毅</a:t>
+            </a:r>
+            <a:r>
+              <a:rPr lang="en-US" altLang="zh-CN" sz="2400" dirty="0">
+                <a:latin typeface="Microsoft YaHei" panose="020B0503020204020204" pitchFamily="34" charset="-122"/>
+                <a:ea typeface="Microsoft YaHei" panose="020B0503020204020204" pitchFamily="34" charset="-122"/>
+              </a:rPr>
+              <a:t> Dec 7</a:t>
+            </a:r>
           </a:p>
           <a:p>
             <a:pPr marL="742950" lvl="1" indent="-285750">
@@ -3762,10 +3768,13 @@
               </a:rPr>
               <a:t>第五轮：孙钰杰、苏宇章、岳新海</a:t>
             </a:r>
-            <a:endParaRPr lang="en-US" altLang="zh-CN" sz="2400" dirty="0">
-              <a:latin typeface="Microsoft YaHei" panose="020B0503020204020204" pitchFamily="34" charset="-122"/>
-              <a:ea typeface="Microsoft YaHei" panose="020B0503020204020204" pitchFamily="34" charset="-122"/>
-            </a:endParaRPr>
+            <a:r>
+              <a:rPr lang="en-US" altLang="zh-CN" sz="2400" dirty="0">
+                <a:latin typeface="Microsoft YaHei" panose="020B0503020204020204" pitchFamily="34" charset="-122"/>
+                <a:ea typeface="Microsoft YaHei" panose="020B0503020204020204" pitchFamily="34" charset="-122"/>
+              </a:rPr>
+              <a:t> Dec 14</a:t>
+            </a:r>
           </a:p>
           <a:p>
             <a:pPr marL="742950" lvl="1" indent="-285750">
@@ -3777,18 +3786,56 @@
                 <a:latin typeface="Microsoft YaHei" panose="020B0503020204020204" pitchFamily="34" charset="-122"/>
                 <a:ea typeface="Microsoft YaHei" panose="020B0503020204020204" pitchFamily="34" charset="-122"/>
               </a:rPr>
-              <a:t>第六轮：管加深、卢清霜、罗嘉</a:t>
-            </a:r>
-            <a:endParaRPr lang="en-US" altLang="zh-CN" sz="2400" dirty="0">
-              <a:latin typeface="Microsoft YaHei" panose="020B0503020204020204" pitchFamily="34" charset="-122"/>
-              <a:ea typeface="Microsoft YaHei" panose="020B0503020204020204" pitchFamily="34" charset="-122"/>
-            </a:endParaRPr>
+              <a:t>第六轮：卢清霜、罗嘉</a:t>
+            </a:r>
+            <a:r>
+              <a:rPr lang="en-US" altLang="zh-CN" sz="2400" dirty="0">
+                <a:latin typeface="Microsoft YaHei" panose="020B0503020204020204" pitchFamily="34" charset="-122"/>
+                <a:ea typeface="Microsoft YaHei" panose="020B0503020204020204" pitchFamily="34" charset="-122"/>
+              </a:rPr>
+              <a:t> Dec 21</a:t>
+            </a:r>
           </a:p>
           <a:p>
             <a:pPr marL="742950" lvl="1" indent="-285750">
               <a:buFont typeface="Arial" panose="020B0604020202020204" pitchFamily="34" charset="0"/>
               <a:buChar char="•"/>
             </a:pPr>
+            <a:r>
+              <a:rPr lang="zh-CN" altLang="en-US" sz="2400" dirty="0">
+                <a:latin typeface="Microsoft YaHei" panose="020B0503020204020204" pitchFamily="34" charset="-122"/>
+                <a:ea typeface="Microsoft YaHei" panose="020B0503020204020204" pitchFamily="34" charset="-122"/>
+              </a:rPr>
+              <a:t>第七轮：孙钰杰、</a:t>
+            </a:r>
+            <a:r>
+              <a:rPr lang="zh-CN" altLang="en-CN" sz="2400" dirty="0">
+                <a:latin typeface="Microsoft YaHei" panose="020B0503020204020204" pitchFamily="34" charset="-122"/>
+                <a:ea typeface="Microsoft YaHei" panose="020B0503020204020204" pitchFamily="34" charset="-122"/>
+              </a:rPr>
+              <a:t>卢清霜</a:t>
+            </a:r>
+            <a:r>
+              <a:rPr lang="zh-CN" altLang="en-US" sz="2400" dirty="0">
+                <a:latin typeface="Microsoft YaHei" panose="020B0503020204020204" pitchFamily="34" charset="-122"/>
+                <a:ea typeface="Microsoft YaHei" panose="020B0503020204020204" pitchFamily="34" charset="-122"/>
+              </a:rPr>
+              <a:t>、黄家毅、苏宇章</a:t>
+            </a:r>
+            <a:r>
+              <a:rPr lang="en-US" altLang="zh-CN" sz="2400" dirty="0">
+                <a:latin typeface="Microsoft YaHei" panose="020B0503020204020204" pitchFamily="34" charset="-122"/>
+                <a:ea typeface="Microsoft YaHei" panose="020B0503020204020204" pitchFamily="34" charset="-122"/>
+              </a:rPr>
+              <a:t> </a:t>
+            </a:r>
+            <a:r>
+              <a:rPr lang="en-US" altLang="zh-CN" sz="2400">
+                <a:latin typeface="Microsoft YaHei" panose="020B0503020204020204" pitchFamily="34" charset="-122"/>
+                <a:ea typeface="Microsoft YaHei" panose="020B0503020204020204" pitchFamily="34" charset="-122"/>
+              </a:rPr>
+              <a:t>Dec 28</a:t>
+            </a:r>
             <a:endParaRPr lang="en-US" altLang="zh-CN" sz="2400" dirty="0">
               <a:latin typeface="Microsoft YaHei" panose="020B0503020204020204" pitchFamily="34" charset="-122"/>
               <a:ea typeface="Microsoft YaHei" panose="020B0503020204020204" pitchFamily="34" charset="-122"/>
